--- a/IROS17/pictures/pdf/5diagramsplots2.pptx
+++ b/IROS17/pictures/pdf/5diagramsplots2.pptx
@@ -208,7 +208,7 @@
           <a:p>
             <a:fld id="{1102A40C-9752-495E-9814-EDB0A74B5D72}" type="datetimeFigureOut">
               <a:rPr lang="en-US" smtClean="0"/>
-              <a:t>12/7/16</a:t>
+              <a:t>3/2/17</a:t>
             </a:fld>
             <a:endParaRPr lang="en-US"/>
           </a:p>
@@ -700,7 +700,7 @@
           <a:p>
             <a:fld id="{3C9584D4-1EC3-4110-8184-CD57BE378914}" type="datetimeFigureOut">
               <a:rPr lang="en-US" smtClean="0"/>
-              <a:t>12/7/16</a:t>
+              <a:t>3/2/17</a:t>
             </a:fld>
             <a:endParaRPr lang="en-US"/>
           </a:p>
@@ -870,7 +870,7 @@
           <a:p>
             <a:fld id="{3C9584D4-1EC3-4110-8184-CD57BE378914}" type="datetimeFigureOut">
               <a:rPr lang="en-US" smtClean="0"/>
-              <a:t>12/7/16</a:t>
+              <a:t>3/2/17</a:t>
             </a:fld>
             <a:endParaRPr lang="en-US"/>
           </a:p>
@@ -1050,7 +1050,7 @@
           <a:p>
             <a:fld id="{3C9584D4-1EC3-4110-8184-CD57BE378914}" type="datetimeFigureOut">
               <a:rPr lang="en-US" smtClean="0"/>
-              <a:t>12/7/16</a:t>
+              <a:t>3/2/17</a:t>
             </a:fld>
             <a:endParaRPr lang="en-US"/>
           </a:p>
@@ -1220,7 +1220,7 @@
           <a:p>
             <a:fld id="{3C9584D4-1EC3-4110-8184-CD57BE378914}" type="datetimeFigureOut">
               <a:rPr lang="en-US" smtClean="0"/>
-              <a:t>12/7/16</a:t>
+              <a:t>3/2/17</a:t>
             </a:fld>
             <a:endParaRPr lang="en-US"/>
           </a:p>
@@ -1466,7 +1466,7 @@
           <a:p>
             <a:fld id="{3C9584D4-1EC3-4110-8184-CD57BE378914}" type="datetimeFigureOut">
               <a:rPr lang="en-US" smtClean="0"/>
-              <a:t>12/7/16</a:t>
+              <a:t>3/2/17</a:t>
             </a:fld>
             <a:endParaRPr lang="en-US"/>
           </a:p>
@@ -1698,7 +1698,7 @@
           <a:p>
             <a:fld id="{3C9584D4-1EC3-4110-8184-CD57BE378914}" type="datetimeFigureOut">
               <a:rPr lang="en-US" smtClean="0"/>
-              <a:t>12/7/16</a:t>
+              <a:t>3/2/17</a:t>
             </a:fld>
             <a:endParaRPr lang="en-US"/>
           </a:p>
@@ -2065,7 +2065,7 @@
           <a:p>
             <a:fld id="{3C9584D4-1EC3-4110-8184-CD57BE378914}" type="datetimeFigureOut">
               <a:rPr lang="en-US" smtClean="0"/>
-              <a:t>12/7/16</a:t>
+              <a:t>3/2/17</a:t>
             </a:fld>
             <a:endParaRPr lang="en-US"/>
           </a:p>
@@ -2183,7 +2183,7 @@
           <a:p>
             <a:fld id="{3C9584D4-1EC3-4110-8184-CD57BE378914}" type="datetimeFigureOut">
               <a:rPr lang="en-US" smtClean="0"/>
-              <a:t>12/7/16</a:t>
+              <a:t>3/2/17</a:t>
             </a:fld>
             <a:endParaRPr lang="en-US"/>
           </a:p>
@@ -2278,7 +2278,7 @@
           <a:p>
             <a:fld id="{3C9584D4-1EC3-4110-8184-CD57BE378914}" type="datetimeFigureOut">
               <a:rPr lang="en-US" smtClean="0"/>
-              <a:t>12/7/16</a:t>
+              <a:t>3/2/17</a:t>
             </a:fld>
             <a:endParaRPr lang="en-US"/>
           </a:p>
@@ -2555,7 +2555,7 @@
           <a:p>
             <a:fld id="{3C9584D4-1EC3-4110-8184-CD57BE378914}" type="datetimeFigureOut">
               <a:rPr lang="en-US" smtClean="0"/>
-              <a:t>12/7/16</a:t>
+              <a:t>3/2/17</a:t>
             </a:fld>
             <a:endParaRPr lang="en-US"/>
           </a:p>
@@ -2808,7 +2808,7 @@
           <a:p>
             <a:fld id="{3C9584D4-1EC3-4110-8184-CD57BE378914}" type="datetimeFigureOut">
               <a:rPr lang="en-US" smtClean="0"/>
-              <a:t>12/7/16</a:t>
+              <a:t>3/2/17</a:t>
             </a:fld>
             <a:endParaRPr lang="en-US"/>
           </a:p>
@@ -3021,7 +3021,7 @@
           <a:p>
             <a:fld id="{3C9584D4-1EC3-4110-8184-CD57BE378914}" type="datetimeFigureOut">
               <a:rPr lang="en-US" smtClean="0"/>
-              <a:t>12/7/16</a:t>
+              <a:t>3/2/17</a:t>
             </a:fld>
             <a:endParaRPr lang="en-US"/>
           </a:p>
@@ -3555,6 +3555,9 @@
           <a:prstGeom prst="rect">
             <a:avLst/>
           </a:prstGeom>
+          <a:solidFill>
+            <a:srgbClr val="980002"/>
+          </a:solidFill>
         </p:spPr>
       </p:pic>
       <p:sp>
@@ -3691,6 +3694,9 @@
           <a:prstGeom prst="rect">
             <a:avLst/>
           </a:prstGeom>
+          <a:solidFill>
+            <a:srgbClr val="980002"/>
+          </a:solidFill>
         </p:spPr>
       </p:pic>
       <p:pic>
@@ -3720,6 +3726,9 @@
           <a:prstGeom prst="rect">
             <a:avLst/>
           </a:prstGeom>
+          <a:solidFill>
+            <a:srgbClr val="980002"/>
+          </a:solidFill>
         </p:spPr>
       </p:pic>
       <p:pic>
@@ -3853,6 +3862,9 @@
           <a:prstGeom prst="rect">
             <a:avLst/>
           </a:prstGeom>
+          <a:solidFill>
+            <a:srgbClr val="980002"/>
+          </a:solidFill>
         </p:spPr>
       </p:pic>
       <p:sp>
@@ -3987,14 +3999,7 @@
                 <a:latin typeface="Times"/>
                 <a:cs typeface="Times"/>
               </a:rPr>
-              <a:t>= </a:t>
-            </a:r>
-            <a:r>
-              <a:rPr lang="en-US" sz="2400" dirty="0" smtClean="0">
-                <a:latin typeface="Times"/>
-                <a:cs typeface="Times"/>
-              </a:rPr>
-              <a:t>8 </a:t>
+              <a:t>= 8 </a:t>
             </a:r>
             <a:endParaRPr lang="en-US" sz="2400" dirty="0">
               <a:latin typeface="Times"/>
@@ -4037,14 +4042,7 @@
                 <a:latin typeface="Times"/>
                 <a:cs typeface="Times"/>
               </a:rPr>
-              <a:t>= </a:t>
-            </a:r>
-            <a:r>
-              <a:rPr lang="en-US" sz="2400" dirty="0" smtClean="0">
-                <a:latin typeface="Times"/>
-                <a:cs typeface="Times"/>
-              </a:rPr>
-              <a:t>46 </a:t>
+              <a:t>= 46 </a:t>
             </a:r>
             <a:endParaRPr lang="en-US" sz="2400" dirty="0">
               <a:latin typeface="Times"/>
@@ -4135,14 +4133,7 @@
                 <a:latin typeface="Times"/>
                 <a:cs typeface="Times"/>
               </a:rPr>
-              <a:t> = </a:t>
-            </a:r>
-            <a:r>
-              <a:rPr lang="en-US" sz="2400" dirty="0" smtClean="0">
-                <a:latin typeface="Times"/>
-                <a:cs typeface="Times"/>
-              </a:rPr>
-              <a:t>377 </a:t>
+              <a:t> = 377 </a:t>
             </a:r>
             <a:endParaRPr lang="en-US" sz="2400" dirty="0">
               <a:latin typeface="Times"/>
@@ -4185,14 +4176,7 @@
                 <a:latin typeface="Times"/>
                 <a:cs typeface="Times"/>
               </a:rPr>
-              <a:t>= </a:t>
-            </a:r>
-            <a:r>
-              <a:rPr lang="en-US" sz="2400" dirty="0" smtClean="0">
-                <a:latin typeface="Times"/>
-                <a:cs typeface="Times"/>
-              </a:rPr>
-              <a:t>862 </a:t>
+              <a:t>= 862 </a:t>
             </a:r>
             <a:endParaRPr lang="en-US" sz="2400" dirty="0">
               <a:latin typeface="Times"/>
@@ -4218,7 +4202,7 @@
             </a:avLst>
           </a:prstGeom>
           <a:solidFill>
-            <a:srgbClr val="FC028B"/>
+            <a:srgbClr val="800000"/>
           </a:solidFill>
           <a:ln>
             <a:noFill/>
@@ -4269,7 +4253,7 @@
             </a:avLst>
           </a:prstGeom>
           <a:solidFill>
-            <a:srgbClr val="FC028B"/>
+            <a:srgbClr val="800000"/>
           </a:solidFill>
           <a:ln>
             <a:noFill/>
@@ -4320,7 +4304,7 @@
             </a:avLst>
           </a:prstGeom>
           <a:solidFill>
-            <a:srgbClr val="FC028B"/>
+            <a:srgbClr val="980002"/>
           </a:solidFill>
           <a:ln>
             <a:noFill/>
@@ -4371,7 +4355,7 @@
             </a:avLst>
           </a:prstGeom>
           <a:solidFill>
-            <a:srgbClr val="FC028B"/>
+            <a:srgbClr val="800000"/>
           </a:solidFill>
           <a:ln>
             <a:noFill/>
@@ -4422,7 +4406,7 @@
             </a:avLst>
           </a:prstGeom>
           <a:solidFill>
-            <a:srgbClr val="FC028B"/>
+            <a:srgbClr val="800000"/>
           </a:solidFill>
           <a:ln>
             <a:noFill/>
